--- a/11. Machine Learning/Slides/4. Métodos Avanzados.pptx
+++ b/11. Machine Learning/Slides/4. Métodos Avanzados.pptx
@@ -225,7 +225,7 @@
             <a:fld id="{B3E16CF3-8537-4774-A9FC-A2A5296655A0}" type="datetimeFigureOut">
               <a:rPr lang="es-ES" smtClean="0"/>
               <a:pPr/>
-              <a:t>12/11/2018</a:t>
+              <a:t>23/01/2021</a:t>
             </a:fld>
             <a:endParaRPr lang="es-ES"/>
           </a:p>
@@ -678,7 +678,7 @@
             <a:fld id="{7A847CFC-816F-41D0-AAC0-9BF4FEBC753E}" type="datetimeFigureOut">
               <a:rPr lang="es-ES" smtClean="0"/>
               <a:pPr/>
-              <a:t>12/11/2018</a:t>
+              <a:t>23/01/2021</a:t>
             </a:fld>
             <a:endParaRPr lang="es-ES"/>
           </a:p>
@@ -845,7 +845,7 @@
             <a:fld id="{7A847CFC-816F-41D0-AAC0-9BF4FEBC753E}" type="datetimeFigureOut">
               <a:rPr lang="es-ES" smtClean="0"/>
               <a:pPr/>
-              <a:t>12/11/2018</a:t>
+              <a:t>23/01/2021</a:t>
             </a:fld>
             <a:endParaRPr lang="es-ES"/>
           </a:p>
@@ -1022,7 +1022,7 @@
             <a:fld id="{7A847CFC-816F-41D0-AAC0-9BF4FEBC753E}" type="datetimeFigureOut">
               <a:rPr lang="es-ES" smtClean="0"/>
               <a:pPr/>
-              <a:t>12/11/2018</a:t>
+              <a:t>23/01/2021</a:t>
             </a:fld>
             <a:endParaRPr lang="es-ES"/>
           </a:p>
@@ -1189,7 +1189,7 @@
             <a:fld id="{7A847CFC-816F-41D0-AAC0-9BF4FEBC753E}" type="datetimeFigureOut">
               <a:rPr lang="es-ES" smtClean="0"/>
               <a:pPr/>
-              <a:t>12/11/2018</a:t>
+              <a:t>23/01/2021</a:t>
             </a:fld>
             <a:endParaRPr lang="es-ES"/>
           </a:p>
@@ -1432,7 +1432,7 @@
             <a:fld id="{7A847CFC-816F-41D0-AAC0-9BF4FEBC753E}" type="datetimeFigureOut">
               <a:rPr lang="es-ES" smtClean="0"/>
               <a:pPr/>
-              <a:t>12/11/2018</a:t>
+              <a:t>23/01/2021</a:t>
             </a:fld>
             <a:endParaRPr lang="es-ES"/>
           </a:p>
@@ -1717,7 +1717,7 @@
             <a:fld id="{7A847CFC-816F-41D0-AAC0-9BF4FEBC753E}" type="datetimeFigureOut">
               <a:rPr lang="es-ES" smtClean="0"/>
               <a:pPr/>
-              <a:t>12/11/2018</a:t>
+              <a:t>23/01/2021</a:t>
             </a:fld>
             <a:endParaRPr lang="es-ES"/>
           </a:p>
@@ -2136,7 +2136,7 @@
             <a:fld id="{7A847CFC-816F-41D0-AAC0-9BF4FEBC753E}" type="datetimeFigureOut">
               <a:rPr lang="es-ES" smtClean="0"/>
               <a:pPr/>
-              <a:t>12/11/2018</a:t>
+              <a:t>23/01/2021</a:t>
             </a:fld>
             <a:endParaRPr lang="es-ES"/>
           </a:p>
@@ -2251,7 +2251,7 @@
             <a:fld id="{7A847CFC-816F-41D0-AAC0-9BF4FEBC753E}" type="datetimeFigureOut">
               <a:rPr lang="es-ES" smtClean="0"/>
               <a:pPr/>
-              <a:t>12/11/2018</a:t>
+              <a:t>23/01/2021</a:t>
             </a:fld>
             <a:endParaRPr lang="es-ES"/>
           </a:p>
@@ -2343,7 +2343,7 @@
             <a:fld id="{7A847CFC-816F-41D0-AAC0-9BF4FEBC753E}" type="datetimeFigureOut">
               <a:rPr lang="es-ES" smtClean="0"/>
               <a:pPr/>
-              <a:t>12/11/2018</a:t>
+              <a:t>23/01/2021</a:t>
             </a:fld>
             <a:endParaRPr lang="es-ES"/>
           </a:p>
@@ -2617,7 +2617,7 @@
             <a:fld id="{7A847CFC-816F-41D0-AAC0-9BF4FEBC753E}" type="datetimeFigureOut">
               <a:rPr lang="es-ES" smtClean="0"/>
               <a:pPr/>
-              <a:t>12/11/2018</a:t>
+              <a:t>23/01/2021</a:t>
             </a:fld>
             <a:endParaRPr lang="es-ES"/>
           </a:p>
@@ -2867,7 +2867,7 @@
             <a:fld id="{7A847CFC-816F-41D0-AAC0-9BF4FEBC753E}" type="datetimeFigureOut">
               <a:rPr lang="es-ES" smtClean="0"/>
               <a:pPr/>
-              <a:t>12/11/2018</a:t>
+              <a:t>23/01/2021</a:t>
             </a:fld>
             <a:endParaRPr lang="es-ES"/>
           </a:p>
@@ -3077,7 +3077,7 @@
             <a:fld id="{7A847CFC-816F-41D0-AAC0-9BF4FEBC753E}" type="datetimeFigureOut">
               <a:rPr lang="es-ES" smtClean="0"/>
               <a:pPr/>
-              <a:t>12/11/2018</a:t>
+              <a:t>23/01/2021</a:t>
             </a:fld>
             <a:endParaRPr lang="es-ES"/>
           </a:p>
@@ -6430,8 +6430,8 @@
         </p:blipFill>
         <p:spPr bwMode="auto">
           <a:xfrm>
-            <a:off x="9192344" y="997338"/>
-            <a:ext cx="2305432" cy="2294174"/>
+            <a:off x="10460494" y="1988840"/>
+            <a:ext cx="1662276" cy="1654159"/>
           </a:xfrm>
           <a:prstGeom prst="rect">
             <a:avLst/>
@@ -6471,8 +6471,8 @@
         </p:blipFill>
         <p:spPr bwMode="auto">
           <a:xfrm>
-            <a:off x="10488488" y="2825095"/>
-            <a:ext cx="1488485" cy="1297959"/>
+            <a:off x="9408368" y="3141652"/>
+            <a:ext cx="1126245" cy="982086"/>
           </a:xfrm>
           <a:prstGeom prst="rect">
             <a:avLst/>
@@ -6512,8 +6512,8 @@
         </p:blipFill>
         <p:spPr bwMode="auto">
           <a:xfrm>
-            <a:off x="6082208" y="3850180"/>
-            <a:ext cx="1575135" cy="1071786"/>
+            <a:off x="5890913" y="4090594"/>
+            <a:ext cx="1177620" cy="801301"/>
           </a:xfrm>
           <a:prstGeom prst="rect">
             <a:avLst/>
@@ -6539,7 +6539,7 @@
           <p:nvPr/>
         </p:nvPicPr>
         <p:blipFill>
-          <a:blip r:embed="rId6">
+          <a:blip r:embed="rId6" cstate="print">
             <a:extLst>
               <a:ext uri="{28A0092B-C50C-407E-A947-70E740481C1C}">
                 <a14:useLocalDpi xmlns:a14="http://schemas.microsoft.com/office/drawing/2010/main" val="0"/>
@@ -6553,8 +6553,8 @@
         </p:blipFill>
         <p:spPr bwMode="auto">
           <a:xfrm>
-            <a:off x="6888088" y="4920576"/>
-            <a:ext cx="1944216" cy="1258023"/>
+            <a:off x="6023992" y="5074458"/>
+            <a:ext cx="1355967" cy="877391"/>
           </a:xfrm>
           <a:prstGeom prst="rect">
             <a:avLst/>
